--- a/Day_Twenty_Five(23.07.2024)/BookBazaar.pptx
+++ b/Day_Twenty_Five(23.07.2024)/BookBazaar.pptx
@@ -270,7 +270,7 @@
           <a:p>
             <a:fld id="{19C1A710-040D-419D-97ED-1D3FDBDFAEFB}" type="datetimeFigureOut">
               <a:rPr lang="en-IN" smtClean="0"/>
-              <a:t>23-07-2024</a:t>
+              <a:t>24-07-2024</a:t>
             </a:fld>
             <a:endParaRPr lang="en-IN"/>
           </a:p>
@@ -470,7 +470,7 @@
           <a:p>
             <a:fld id="{19C1A710-040D-419D-97ED-1D3FDBDFAEFB}" type="datetimeFigureOut">
               <a:rPr lang="en-IN" smtClean="0"/>
-              <a:t>23-07-2024</a:t>
+              <a:t>24-07-2024</a:t>
             </a:fld>
             <a:endParaRPr lang="en-IN"/>
           </a:p>
@@ -680,7 +680,7 @@
           <a:p>
             <a:fld id="{19C1A710-040D-419D-97ED-1D3FDBDFAEFB}" type="datetimeFigureOut">
               <a:rPr lang="en-IN" smtClean="0"/>
-              <a:t>23-07-2024</a:t>
+              <a:t>24-07-2024</a:t>
             </a:fld>
             <a:endParaRPr lang="en-IN"/>
           </a:p>
@@ -880,7 +880,7 @@
           <a:p>
             <a:fld id="{19C1A710-040D-419D-97ED-1D3FDBDFAEFB}" type="datetimeFigureOut">
               <a:rPr lang="en-IN" smtClean="0"/>
-              <a:t>23-07-2024</a:t>
+              <a:t>24-07-2024</a:t>
             </a:fld>
             <a:endParaRPr lang="en-IN"/>
           </a:p>
@@ -1156,7 +1156,7 @@
           <a:p>
             <a:fld id="{19C1A710-040D-419D-97ED-1D3FDBDFAEFB}" type="datetimeFigureOut">
               <a:rPr lang="en-IN" smtClean="0"/>
-              <a:t>23-07-2024</a:t>
+              <a:t>24-07-2024</a:t>
             </a:fld>
             <a:endParaRPr lang="en-IN"/>
           </a:p>
@@ -1424,7 +1424,7 @@
           <a:p>
             <a:fld id="{19C1A710-040D-419D-97ED-1D3FDBDFAEFB}" type="datetimeFigureOut">
               <a:rPr lang="en-IN" smtClean="0"/>
-              <a:t>23-07-2024</a:t>
+              <a:t>24-07-2024</a:t>
             </a:fld>
             <a:endParaRPr lang="en-IN"/>
           </a:p>
@@ -1839,7 +1839,7 @@
           <a:p>
             <a:fld id="{19C1A710-040D-419D-97ED-1D3FDBDFAEFB}" type="datetimeFigureOut">
               <a:rPr lang="en-IN" smtClean="0"/>
-              <a:t>23-07-2024</a:t>
+              <a:t>24-07-2024</a:t>
             </a:fld>
             <a:endParaRPr lang="en-IN"/>
           </a:p>
@@ -1981,7 +1981,7 @@
           <a:p>
             <a:fld id="{19C1A710-040D-419D-97ED-1D3FDBDFAEFB}" type="datetimeFigureOut">
               <a:rPr lang="en-IN" smtClean="0"/>
-              <a:t>23-07-2024</a:t>
+              <a:t>24-07-2024</a:t>
             </a:fld>
             <a:endParaRPr lang="en-IN"/>
           </a:p>
@@ -2094,7 +2094,7 @@
           <a:p>
             <a:fld id="{19C1A710-040D-419D-97ED-1D3FDBDFAEFB}" type="datetimeFigureOut">
               <a:rPr lang="en-IN" smtClean="0"/>
-              <a:t>23-07-2024</a:t>
+              <a:t>24-07-2024</a:t>
             </a:fld>
             <a:endParaRPr lang="en-IN"/>
           </a:p>
@@ -2407,7 +2407,7 @@
           <a:p>
             <a:fld id="{19C1A710-040D-419D-97ED-1D3FDBDFAEFB}" type="datetimeFigureOut">
               <a:rPr lang="en-IN" smtClean="0"/>
-              <a:t>23-07-2024</a:t>
+              <a:t>24-07-2024</a:t>
             </a:fld>
             <a:endParaRPr lang="en-IN"/>
           </a:p>
@@ -2696,7 +2696,7 @@
           <a:p>
             <a:fld id="{19C1A710-040D-419D-97ED-1D3FDBDFAEFB}" type="datetimeFigureOut">
               <a:rPr lang="en-IN" smtClean="0"/>
-              <a:t>23-07-2024</a:t>
+              <a:t>24-07-2024</a:t>
             </a:fld>
             <a:endParaRPr lang="en-IN"/>
           </a:p>
@@ -2939,7 +2939,7 @@
           <a:p>
             <a:fld id="{19C1A710-040D-419D-97ED-1D3FDBDFAEFB}" type="datetimeFigureOut">
               <a:rPr lang="en-IN" smtClean="0"/>
-              <a:t>23-07-2024</a:t>
+              <a:t>24-07-2024</a:t>
             </a:fld>
             <a:endParaRPr lang="en-IN"/>
           </a:p>
@@ -4792,7 +4792,7 @@
                 <a:effectLst/>
                 <a:latin typeface="Aptos Narrow" panose="020B0004020202020204" pitchFamily="34" charset="0"/>
               </a:rPr>
-              <a:t> Nest JS</a:t>
+              <a:t> Nest JS, Python</a:t>
             </a:r>
           </a:p>
           <a:p>
